--- a/Presentation-Template.pptx
+++ b/Presentation-Template.pptx
@@ -7,8 +7,8 @@
   <p:sldIdLst>
     <p:sldId id="260" r:id="rId2"/>
     <p:sldId id="257" r:id="rId3"/>
-    <p:sldId id="270" r:id="rId4"/>
-    <p:sldId id="271" r:id="rId5"/>
+    <p:sldId id="276" r:id="rId4"/>
+    <p:sldId id="270" r:id="rId5"/>
     <p:sldId id="272" r:id="rId6"/>
     <p:sldId id="275" r:id="rId7"/>
     <p:sldId id="259" r:id="rId8"/>
@@ -3732,41 +3732,21 @@
             <a:pPr algn="r"/>
             <a:r>
               <a:rPr lang="en-US" sz="7200" dirty="0"/>
-              <a:t>Abhishek </a:t>
-            </a:r>
-            <a:r>
-              <a:rPr lang="en-US" sz="7200" dirty="0" err="1"/>
-              <a:t>Khandate</a:t>
-            </a:r>
-            <a:r>
-              <a:rPr lang="en-US" sz="7200" dirty="0"/>
-              <a:t> </a:t>
+              <a:t>Abhishek Khandate </a:t>
             </a:r>
             <a:br>
               <a:rPr lang="en-US" sz="7200" dirty="0"/>
             </a:br>
             <a:r>
               <a:rPr lang="en-US" sz="7200" dirty="0"/>
-              <a:t>Dally </a:t>
-            </a:r>
-            <a:r>
-              <a:rPr lang="en-US" sz="7200" dirty="0" err="1"/>
-              <a:t>Bhandiya</a:t>
+              <a:t>Dally Bhandiya</a:t>
             </a:r>
             <a:br>
               <a:rPr lang="en-US" sz="7200" dirty="0"/>
             </a:br>
             <a:r>
-              <a:rPr lang="en-US" sz="7200" dirty="0" err="1"/>
-              <a:t>Meenanki</a:t>
-            </a:r>
-            <a:r>
               <a:rPr lang="en-US" sz="7200" dirty="0"/>
-              <a:t> </a:t>
-            </a:r>
-            <a:r>
-              <a:rPr lang="en-US" sz="7200" dirty="0" err="1"/>
-              <a:t>Bhide</a:t>
+              <a:t>Meenanki Bhide</a:t>
             </a:r>
             <a:br>
               <a:rPr lang="en-US" sz="7200" dirty="0"/>
@@ -3893,9 +3873,16 @@
             <p:ph idx="1"/>
           </p:nvPr>
         </p:nvSpPr>
-        <p:spPr/>
-        <p:txBody>
-          <a:bodyPr/>
+        <p:spPr>
+          <a:xfrm>
+            <a:off x="1464831" y="2028984"/>
+            <a:ext cx="9603275" cy="3450613"/>
+          </a:xfrm>
+        </p:spPr>
+        <p:txBody>
+          <a:bodyPr>
+            <a:normAutofit lnSpcReduction="10000"/>
+          </a:bodyPr>
           <a:lstStyle/>
           <a:p>
             <a:r>
@@ -3938,7 +3925,39 @@
             <a:pPr lvl="1"/>
             <a:r>
               <a:rPr lang="en-GB" dirty="0"/>
-              <a:t>Output : Volume traded on that day, in the past week, in the past month and the past year.</a:t>
+              <a:t>Output :  Volume traded on that day, in the past week, in the past month and the past year. (</a:t>
+            </a:r>
+            <a:r>
+              <a:rPr lang="en-GB" dirty="0" err="1"/>
+              <a:t>volumeTradedForInstrumentToday</a:t>
+            </a:r>
+            <a:r>
+              <a:rPr lang="en-GB" dirty="0"/>
+              <a:t>, </a:t>
+            </a:r>
+            <a:r>
+              <a:rPr lang="en-GB" dirty="0" err="1"/>
+              <a:t>volumeTradedForInstrumentPastWeek</a:t>
+            </a:r>
+            <a:r>
+              <a:rPr lang="en-GB" dirty="0"/>
+              <a:t>, </a:t>
+            </a:r>
+            <a:r>
+              <a:rPr lang="en-GB" dirty="0" err="1"/>
+              <a:t>volumeTradedForInstrumentPastMonth</a:t>
+            </a:r>
+            <a:r>
+              <a:rPr lang="en-GB" dirty="0"/>
+              <a:t> </a:t>
+            </a:r>
+            <a:r>
+              <a:rPr lang="en-GB" dirty="0" err="1"/>
+              <a:t>volumeTradedForInstrumentPastYear</a:t>
+            </a:r>
+            <a:r>
+              <a:rPr lang="en-GB" dirty="0"/>
+              <a:t>)</a:t>
             </a:r>
           </a:p>
         </p:txBody>
@@ -4020,7 +4039,9 @@
         </p:nvSpPr>
         <p:spPr/>
         <p:txBody>
-          <a:bodyPr/>
+          <a:bodyPr>
+            <a:normAutofit fontScale="92500" lnSpcReduction="20000"/>
+          </a:bodyPr>
           <a:lstStyle/>
           <a:p>
             <a:r>
@@ -4071,7 +4092,39 @@
             <a:pPr lvl="1"/>
             <a:r>
               <a:rPr lang="en-GB" dirty="0"/>
-              <a:t>Output :  Volume traded on that day, in the past week, in the past month and the past year.</a:t>
+              <a:t>Output :  Volume traded on that day, in the past week, in the past month and the past year. (</a:t>
+            </a:r>
+            <a:r>
+              <a:rPr lang="en-GB" dirty="0" err="1"/>
+              <a:t>volumeTradedWithEntityToday</a:t>
+            </a:r>
+            <a:r>
+              <a:rPr lang="en-GB" dirty="0"/>
+              <a:t>, </a:t>
+            </a:r>
+            <a:r>
+              <a:rPr lang="en-GB" dirty="0" err="1"/>
+              <a:t>volumeTradedWithEntityPastWeek</a:t>
+            </a:r>
+            <a:r>
+              <a:rPr lang="en-GB" dirty="0"/>
+              <a:t>, </a:t>
+            </a:r>
+            <a:r>
+              <a:rPr lang="en-GB" dirty="0" err="1"/>
+              <a:t>volumeTradedWIthEntityPastWeek</a:t>
+            </a:r>
+            <a:r>
+              <a:rPr lang="en-GB" dirty="0"/>
+              <a:t>, </a:t>
+            </a:r>
+            <a:r>
+              <a:rPr lang="en-GB" dirty="0" err="1"/>
+              <a:t>volumeTradedWIthEntityPastYear</a:t>
+            </a:r>
+            <a:r>
+              <a:rPr lang="en-GB" dirty="0"/>
+              <a:t>)</a:t>
             </a:r>
           </a:p>
         </p:txBody>
@@ -4203,7 +4256,15 @@
             <a:pPr lvl="1"/>
             <a:r>
               <a:rPr lang="en-GB" dirty="0"/>
-              <a:t>Output : Percentage of successful trades over negative trades.</a:t>
+              <a:t>Output : Percentage of successful trades over negative trades. (</a:t>
+            </a:r>
+            <a:r>
+              <a:rPr lang="en-GB" dirty="0" err="1"/>
+              <a:t>strikeRateWithTrader</a:t>
+            </a:r>
+            <a:r>
+              <a:rPr lang="en-GB" dirty="0"/>
+              <a:t>)</a:t>
             </a:r>
           </a:p>
         </p:txBody>
@@ -4336,7 +4397,15 @@
             <a:pPr lvl="1"/>
             <a:r>
               <a:rPr lang="en-GB" dirty="0"/>
-              <a:t>Output : Quantity of that instrument traded in the last one month.</a:t>
+              <a:t>Output : Quantity of that instrument traded in the last one month. (</a:t>
+            </a:r>
+            <a:r>
+              <a:rPr lang="en-GB" dirty="0" err="1"/>
+              <a:t>instrumentLiquidityPastWeek</a:t>
+            </a:r>
+            <a:r>
+              <a:rPr lang="en-GB" dirty="0"/>
+              <a:t>)</a:t>
             </a:r>
           </a:p>
         </p:txBody>
@@ -4416,7 +4485,12 @@
             <p:ph idx="1"/>
           </p:nvPr>
         </p:nvSpPr>
-        <p:spPr/>
+        <p:spPr>
+          <a:xfrm>
+            <a:off x="1451579" y="1975976"/>
+            <a:ext cx="9603275" cy="3450613"/>
+          </a:xfrm>
+        </p:spPr>
         <p:txBody>
           <a:bodyPr/>
           <a:lstStyle/>
@@ -4469,7 +4543,15 @@
             <a:pPr lvl="1"/>
             <a:r>
               <a:rPr lang="en-GB" dirty="0"/>
-              <a:t>Output : Average price per quantity of that instrument traded by the bank in the past week.</a:t>
+              <a:t>Output :  Average price per quantity of that instrument traded by the bank in the past week. (</a:t>
+            </a:r>
+            <a:r>
+              <a:rPr lang="en-GB" dirty="0" err="1"/>
+              <a:t>averageTradedPricePastWeek</a:t>
+            </a:r>
+            <a:r>
+              <a:rPr lang="en-GB" dirty="0"/>
+              <a:t>)</a:t>
             </a:r>
           </a:p>
         </p:txBody>
@@ -4711,7 +4793,23 @@
             <a:pPr lvl="1"/>
             <a:r>
               <a:rPr lang="en-GB" dirty="0"/>
-              <a:t>Output :  A single figure ratio of buy/sell trades for an instrument and negative value in case of no trade.</a:t>
+              <a:t>Output :  A single figure ratio of buy/sell trades for an instrument and negative value in case of no trade. (</a:t>
+            </a:r>
+            <a:r>
+              <a:rPr lang="en-GB" dirty="0" err="1"/>
+              <a:t>tradeSideBiasPastWeek</a:t>
+            </a:r>
+            <a:r>
+              <a:rPr lang="en-GB" dirty="0"/>
+              <a:t>, </a:t>
+            </a:r>
+            <a:r>
+              <a:rPr lang="en-GB" dirty="0" err="1"/>
+              <a:t>tradeSideBiasPastMonth</a:t>
+            </a:r>
+            <a:r>
+              <a:rPr lang="en-GB" dirty="0"/>
+              <a:t>)</a:t>
             </a:r>
           </a:p>
         </p:txBody>
@@ -4847,8 +4945,8 @@
         </p:nvSpPr>
         <p:spPr>
           <a:xfrm>
-            <a:off x="2470340" y="2051304"/>
-            <a:ext cx="8915400" cy="3777622"/>
+            <a:off x="1451579" y="2051304"/>
+            <a:ext cx="9934161" cy="3777622"/>
           </a:xfrm>
         </p:spPr>
         <p:txBody>
@@ -4869,13 +4967,13 @@
           <a:p>
             <a:r>
               <a:rPr lang="en-US" dirty="0"/>
-              <a:t>Tools used</a:t>
+              <a:t>Tools Used</a:t>
             </a:r>
           </a:p>
           <a:p>
             <a:r>
               <a:rPr lang="en-US" dirty="0"/>
-              <a:t>Agile Development: Sprint Details</a:t>
+              <a:t>Agile Development : Sprint Details</a:t>
             </a:r>
           </a:p>
           <a:p>
@@ -4936,6 +5034,100 @@
           <p:cNvPr id="2" name="Title 1">
             <a:extLst>
               <a:ext uri="{FF2B5EF4-FFF2-40B4-BE49-F238E27FC236}">
+                <a16:creationId xmlns:a16="http://schemas.microsoft.com/office/drawing/2014/main" id="{C2F874D1-AC0B-4B5F-97DD-99B8ADEE7536}"/>
+              </a:ext>
+            </a:extLst>
+          </p:cNvPr>
+          <p:cNvSpPr>
+            <a:spLocks noGrp="1"/>
+          </p:cNvSpPr>
+          <p:nvPr>
+            <p:ph type="title"/>
+          </p:nvPr>
+        </p:nvSpPr>
+        <p:spPr>
+          <a:xfrm>
+            <a:off x="1451579" y="384313"/>
+            <a:ext cx="9603275" cy="1126435"/>
+          </a:xfrm>
+        </p:spPr>
+        <p:txBody>
+          <a:bodyPr/>
+          <a:lstStyle/>
+          <a:p>
+            <a:r>
+              <a:rPr lang="en-GB" dirty="0"/>
+              <a:t>ARCHITECTURE</a:t>
+            </a:r>
+            <a:endParaRPr lang="en-US" dirty="0"/>
+          </a:p>
+        </p:txBody>
+      </p:sp>
+      <p:pic>
+        <p:nvPicPr>
+          <p:cNvPr id="4" name="Picture 3">
+            <a:extLst>
+              <a:ext uri="{FF2B5EF4-FFF2-40B4-BE49-F238E27FC236}">
+                <a16:creationId xmlns:a16="http://schemas.microsoft.com/office/drawing/2014/main" id="{6BEE5330-415D-4EA7-AC60-88078F6CD1FD}"/>
+              </a:ext>
+            </a:extLst>
+          </p:cNvPr>
+          <p:cNvPicPr>
+            <a:picLocks noChangeAspect="1"/>
+          </p:cNvPicPr>
+          <p:nvPr/>
+        </p:nvPicPr>
+        <p:blipFill>
+          <a:blip r:embed="rId2"/>
+          <a:stretch>
+            <a:fillRect/>
+          </a:stretch>
+        </p:blipFill>
+        <p:spPr>
+          <a:xfrm>
+            <a:off x="1451579" y="1152939"/>
+            <a:ext cx="9603275" cy="4625009"/>
+          </a:xfrm>
+          <a:prstGeom prst="rect">
+            <a:avLst/>
+          </a:prstGeom>
+        </p:spPr>
+      </p:pic>
+    </p:spTree>
+    <p:extLst>
+      <p:ext uri="{BB962C8B-B14F-4D97-AF65-F5344CB8AC3E}">
+        <p14:creationId xmlns:p14="http://schemas.microsoft.com/office/powerpoint/2010/main" val="1902425744"/>
+      </p:ext>
+    </p:extLst>
+  </p:cSld>
+  <p:clrMapOvr>
+    <a:masterClrMapping/>
+  </p:clrMapOvr>
+</p:sld>
+</file>
+
+<file path=ppt/slides/slide4.xml><?xml version="1.0" encoding="utf-8"?>
+<p:sld xmlns:a="http://schemas.openxmlformats.org/drawingml/2006/main" xmlns:r="http://schemas.openxmlformats.org/officeDocument/2006/relationships" xmlns:p="http://schemas.openxmlformats.org/presentationml/2006/main">
+  <p:cSld>
+    <p:spTree>
+      <p:nvGrpSpPr>
+        <p:cNvPr id="1" name=""/>
+        <p:cNvGrpSpPr/>
+        <p:nvPr/>
+      </p:nvGrpSpPr>
+      <p:grpSpPr>
+        <a:xfrm>
+          <a:off x="0" y="0"/>
+          <a:ext cx="0" cy="0"/>
+          <a:chOff x="0" y="0"/>
+          <a:chExt cx="0" cy="0"/>
+        </a:xfrm>
+      </p:grpSpPr>
+      <p:sp>
+        <p:nvSpPr>
+          <p:cNvPr id="2" name="Title 1">
+            <a:extLst>
+              <a:ext uri="{FF2B5EF4-FFF2-40B4-BE49-F238E27FC236}">
                 <a16:creationId xmlns:a16="http://schemas.microsoft.com/office/drawing/2014/main" id="{E5630E5D-BDA1-428E-B0CD-50AC0BF6BFCD}"/>
               </a:ext>
             </a:extLst>
@@ -4954,7 +5146,7 @@
           <a:p>
             <a:r>
               <a:rPr lang="en-GB" dirty="0"/>
-              <a:t>Architecture</a:t>
+              <a:t>Application Flow Diagram</a:t>
             </a:r>
             <a:endParaRPr lang="en-US" dirty="0"/>
           </a:p>
@@ -6025,100 +6217,6 @@
 </p:sld>
 </file>
 
-<file path=ppt/slides/slide4.xml><?xml version="1.0" encoding="utf-8"?>
-<p:sld xmlns:a="http://schemas.openxmlformats.org/drawingml/2006/main" xmlns:r="http://schemas.openxmlformats.org/officeDocument/2006/relationships" xmlns:p="http://schemas.openxmlformats.org/presentationml/2006/main">
-  <p:cSld>
-    <p:spTree>
-      <p:nvGrpSpPr>
-        <p:cNvPr id="1" name=""/>
-        <p:cNvGrpSpPr/>
-        <p:nvPr/>
-      </p:nvGrpSpPr>
-      <p:grpSpPr>
-        <a:xfrm>
-          <a:off x="0" y="0"/>
-          <a:ext cx="0" cy="0"/>
-          <a:chOff x="0" y="0"/>
-          <a:chExt cx="0" cy="0"/>
-        </a:xfrm>
-      </p:grpSpPr>
-      <p:sp>
-        <p:nvSpPr>
-          <p:cNvPr id="2" name="Title 1">
-            <a:extLst>
-              <a:ext uri="{FF2B5EF4-FFF2-40B4-BE49-F238E27FC236}">
-                <a16:creationId xmlns:a16="http://schemas.microsoft.com/office/drawing/2014/main" id="{F878D546-F764-4EE5-A080-95B0B54B7F96}"/>
-              </a:ext>
-            </a:extLst>
-          </p:cNvPr>
-          <p:cNvSpPr>
-            <a:spLocks noGrp="1"/>
-          </p:cNvSpPr>
-          <p:nvPr>
-            <p:ph type="title"/>
-          </p:nvPr>
-        </p:nvSpPr>
-        <p:spPr>
-          <a:xfrm>
-            <a:off x="1294361" y="221423"/>
-            <a:ext cx="9603275" cy="1049235"/>
-          </a:xfrm>
-        </p:spPr>
-        <p:txBody>
-          <a:bodyPr/>
-          <a:lstStyle/>
-          <a:p>
-            <a:r>
-              <a:rPr lang="en-GB" dirty="0"/>
-              <a:t>Application Flow Diagram</a:t>
-            </a:r>
-            <a:endParaRPr lang="en-US" dirty="0"/>
-          </a:p>
-        </p:txBody>
-      </p:sp>
-      <p:pic>
-        <p:nvPicPr>
-          <p:cNvPr id="5" name="Picture 4">
-            <a:extLst>
-              <a:ext uri="{FF2B5EF4-FFF2-40B4-BE49-F238E27FC236}">
-                <a16:creationId xmlns:a16="http://schemas.microsoft.com/office/drawing/2014/main" id="{E8712043-9BD8-4490-91A4-3272A13B6953}"/>
-              </a:ext>
-            </a:extLst>
-          </p:cNvPr>
-          <p:cNvPicPr>
-            <a:picLocks noChangeAspect="1"/>
-          </p:cNvPicPr>
-          <p:nvPr/>
-        </p:nvPicPr>
-        <p:blipFill>
-          <a:blip r:embed="rId2"/>
-          <a:stretch>
-            <a:fillRect/>
-          </a:stretch>
-        </p:blipFill>
-        <p:spPr>
-          <a:xfrm>
-            <a:off x="516835" y="1442760"/>
-            <a:ext cx="10575234" cy="3972479"/>
-          </a:xfrm>
-          <a:prstGeom prst="rect">
-            <a:avLst/>
-          </a:prstGeom>
-        </p:spPr>
-      </p:pic>
-    </p:spTree>
-    <p:extLst>
-      <p:ext uri="{BB962C8B-B14F-4D97-AF65-F5344CB8AC3E}">
-        <p14:creationId xmlns:p14="http://schemas.microsoft.com/office/powerpoint/2010/main" val="1550166084"/>
-      </p:ext>
-    </p:extLst>
-  </p:cSld>
-  <p:clrMapOvr>
-    <a:masterClrMapping/>
-  </p:clrMapOvr>
-</p:sld>
-</file>
-
 <file path=ppt/slides/slide5.xml><?xml version="1.0" encoding="utf-8"?>
 <p:sld xmlns:a="http://schemas.openxmlformats.org/drawingml/2006/main" xmlns:r="http://schemas.openxmlformats.org/officeDocument/2006/relationships" xmlns:p="http://schemas.openxmlformats.org/presentationml/2006/main">
   <p:cSld>
@@ -6216,8 +6314,8 @@
         </p:blipFill>
         <p:spPr>
           <a:xfrm>
-            <a:off x="8653670" y="1857673"/>
-            <a:ext cx="3207025" cy="3454899"/>
+            <a:off x="8438386" y="1857673"/>
+            <a:ext cx="3422309" cy="3454899"/>
           </a:xfrm>
           <a:prstGeom prst="rect">
             <a:avLst/>
@@ -6330,6 +6428,12 @@
             </a:r>
           </a:p>
           <a:p>
+            <a:r>
+              <a:rPr lang="en-GB" sz="2400" dirty="0"/>
+              <a:t>Git</a:t>
+            </a:r>
+          </a:p>
+          <a:p>
             <a:endParaRPr lang="en-US" sz="2400" dirty="0"/>
           </a:p>
         </p:txBody>
@@ -6413,14 +6517,14 @@
             <p:ph idx="1"/>
             <p:extLst>
               <p:ext uri="{D42A27DB-BD31-4B8C-83A1-F6EECF244321}">
-                <p14:modId xmlns:p14="http://schemas.microsoft.com/office/powerpoint/2010/main" val="2001618070"/>
+                <p14:modId xmlns:p14="http://schemas.microsoft.com/office/powerpoint/2010/main" val="4077546495"/>
               </p:ext>
             </p:extLst>
           </p:nvPr>
         </p:nvGraphicFramePr>
         <p:xfrm>
-          <a:off x="659219" y="2192157"/>
-          <a:ext cx="10414360" cy="1902472"/>
+          <a:off x="1444487" y="2205409"/>
+          <a:ext cx="9629092" cy="1902472"/>
         </p:xfrm>
         <a:graphic>
           <a:graphicData uri="http://schemas.openxmlformats.org/drawingml/2006/table">
@@ -6429,28 +6533,28 @@
                 <a:tableStyleId>{5C22544A-7EE6-4342-B048-85BDC9FD1C3A}</a:tableStyleId>
               </a:tblPr>
               <a:tblGrid>
-                <a:gridCol w="2224517">
+                <a:gridCol w="2345635">
                   <a:extLst>
                     <a:ext uri="{9D8B030D-6E8A-4147-A177-3AD203B41FA5}">
                       <a16:colId xmlns:a16="http://schemas.microsoft.com/office/drawing/2014/main" val="20000"/>
                     </a:ext>
                   </a:extLst>
                 </a:gridCol>
-                <a:gridCol w="1435447">
+                <a:gridCol w="1391478">
                   <a:extLst>
                     <a:ext uri="{9D8B030D-6E8A-4147-A177-3AD203B41FA5}">
                       <a16:colId xmlns:a16="http://schemas.microsoft.com/office/drawing/2014/main" val="20001"/>
                     </a:ext>
                   </a:extLst>
                 </a:gridCol>
-                <a:gridCol w="2407683">
+                <a:gridCol w="1873019">
                   <a:extLst>
                     <a:ext uri="{9D8B030D-6E8A-4147-A177-3AD203B41FA5}">
                       <a16:colId xmlns:a16="http://schemas.microsoft.com/office/drawing/2014/main" val="20002"/>
                     </a:ext>
                   </a:extLst>
                 </a:gridCol>
-                <a:gridCol w="4346713">
+                <a:gridCol w="4018960">
                   <a:extLst>
                     <a:ext uri="{9D8B030D-6E8A-4147-A177-3AD203B41FA5}">
                       <a16:colId xmlns:a16="http://schemas.microsoft.com/office/drawing/2014/main" val="20003"/>
@@ -6589,35 +6693,6 @@
           </a:graphicData>
         </a:graphic>
       </p:graphicFrame>
-      <p:sp>
-        <p:nvSpPr>
-          <p:cNvPr id="5" name="TextBox 4"/>
-          <p:cNvSpPr txBox="1"/>
-          <p:nvPr/>
-        </p:nvSpPr>
-        <p:spPr>
-          <a:xfrm>
-            <a:off x="659219" y="5493488"/>
-            <a:ext cx="10263962" cy="369332"/>
-          </a:xfrm>
-          <a:prstGeom prst="rect">
-            <a:avLst/>
-          </a:prstGeom>
-          <a:noFill/>
-        </p:spPr>
-        <p:txBody>
-          <a:bodyPr wrap="square" rtlCol="0">
-            <a:spAutoFit/>
-          </a:bodyPr>
-          <a:lstStyle/>
-          <a:p>
-            <a:r>
-              <a:rPr lang="en-US" dirty="0"/>
-              <a:t>General observations for sprint 1</a:t>
-            </a:r>
-          </a:p>
-        </p:txBody>
-      </p:sp>
     </p:spTree>
     <p:extLst>
       <p:ext uri="{BB962C8B-B14F-4D97-AF65-F5344CB8AC3E}">
@@ -6685,14 +6760,14 @@
             <p:ph idx="1"/>
             <p:extLst>
               <p:ext uri="{D42A27DB-BD31-4B8C-83A1-F6EECF244321}">
-                <p14:modId xmlns:p14="http://schemas.microsoft.com/office/powerpoint/2010/main" val="1015242308"/>
+                <p14:modId xmlns:p14="http://schemas.microsoft.com/office/powerpoint/2010/main" val="1722183674"/>
               </p:ext>
             </p:extLst>
           </p:nvPr>
         </p:nvGraphicFramePr>
         <p:xfrm>
-          <a:off x="452422" y="942416"/>
-          <a:ext cx="10454117" cy="4698847"/>
+          <a:off x="1457739" y="1099930"/>
+          <a:ext cx="9607824" cy="4645551"/>
         </p:xfrm>
         <a:graphic>
           <a:graphicData uri="http://schemas.openxmlformats.org/drawingml/2006/table">
@@ -6701,28 +6776,28 @@
                 <a:tableStyleId>{5C22544A-7EE6-4342-B048-85BDC9FD1C3A}</a:tableStyleId>
               </a:tblPr>
               <a:tblGrid>
-                <a:gridCol w="3700179">
+                <a:gridCol w="3538014">
                   <a:extLst>
                     <a:ext uri="{9D8B030D-6E8A-4147-A177-3AD203B41FA5}">
                       <a16:colId xmlns:a16="http://schemas.microsoft.com/office/drawing/2014/main" val="20000"/>
                     </a:ext>
                   </a:extLst>
                 </a:gridCol>
-                <a:gridCol w="1333798">
+                <a:gridCol w="1428991">
                   <a:extLst>
                     <a:ext uri="{9D8B030D-6E8A-4147-A177-3AD203B41FA5}">
                       <a16:colId xmlns:a16="http://schemas.microsoft.com/office/drawing/2014/main" val="20001"/>
                     </a:ext>
                   </a:extLst>
                 </a:gridCol>
-                <a:gridCol w="1868312">
+                <a:gridCol w="1633133">
                   <a:extLst>
                     <a:ext uri="{9D8B030D-6E8A-4147-A177-3AD203B41FA5}">
                       <a16:colId xmlns:a16="http://schemas.microsoft.com/office/drawing/2014/main" val="20002"/>
                     </a:ext>
                   </a:extLst>
                 </a:gridCol>
-                <a:gridCol w="3551828">
+                <a:gridCol w="3007686">
                   <a:extLst>
                     <a:ext uri="{9D8B030D-6E8A-4147-A177-3AD203B41FA5}">
                       <a16:colId xmlns:a16="http://schemas.microsoft.com/office/drawing/2014/main" val="20003"/>
@@ -6730,7 +6805,7 @@
                   </a:extLst>
                 </a:gridCol>
               </a:tblGrid>
-              <a:tr h="988072">
+              <a:tr h="954950">
                 <a:tc>
                   <a:txBody>
                     <a:bodyPr/>
@@ -6794,7 +6869,7 @@
                   </a:ext>
                 </a:extLst>
               </a:tr>
-              <a:tr h="601815">
+              <a:tr h="618623">
                 <a:tc>
                   <a:txBody>
                     <a:bodyPr/>
@@ -6877,7 +6952,7 @@
                   </a:ext>
                 </a:extLst>
               </a:tr>
-              <a:tr h="601815">
+              <a:tr h="618623">
                 <a:tc>
                   <a:txBody>
                     <a:bodyPr/>
@@ -7026,7 +7101,7 @@
                   </a:ext>
                 </a:extLst>
               </a:tr>
-              <a:tr h="601815">
+              <a:tr h="883748">
                 <a:tc>
                   <a:txBody>
                     <a:bodyPr/>
@@ -7166,7 +7241,7 @@
                   </a:ext>
                 </a:extLst>
               </a:tr>
-              <a:tr h="601815">
+              <a:tr h="581641">
                 <a:tc>
                   <a:txBody>
                     <a:bodyPr/>
@@ -7263,7 +7338,7 @@
                   </a:ext>
                 </a:extLst>
               </a:tr>
-              <a:tr h="601815">
+              <a:tr h="883748">
                 <a:tc>
                   <a:txBody>
                     <a:bodyPr/>
@@ -7575,14 +7650,14 @@
             <p:ph idx="1"/>
             <p:extLst>
               <p:ext uri="{D42A27DB-BD31-4B8C-83A1-F6EECF244321}">
-                <p14:modId xmlns:p14="http://schemas.microsoft.com/office/powerpoint/2010/main" val="3731562192"/>
+                <p14:modId xmlns:p14="http://schemas.microsoft.com/office/powerpoint/2010/main" val="1275234285"/>
               </p:ext>
             </p:extLst>
           </p:nvPr>
         </p:nvGraphicFramePr>
         <p:xfrm>
-          <a:off x="611449" y="1060444"/>
-          <a:ext cx="10414360" cy="4150207"/>
+          <a:off x="1431236" y="1219200"/>
+          <a:ext cx="9660835" cy="4089390"/>
         </p:xfrm>
         <a:graphic>
           <a:graphicData uri="http://schemas.openxmlformats.org/drawingml/2006/table">
@@ -7591,28 +7666,28 @@
                 <a:tableStyleId>{5C22544A-7EE6-4342-B048-85BDC9FD1C3A}</a:tableStyleId>
               </a:tblPr>
               <a:tblGrid>
-                <a:gridCol w="2224517">
+                <a:gridCol w="2063563">
                   <a:extLst>
                     <a:ext uri="{9D8B030D-6E8A-4147-A177-3AD203B41FA5}">
                       <a16:colId xmlns:a16="http://schemas.microsoft.com/office/drawing/2014/main" val="20000"/>
                     </a:ext>
                   </a:extLst>
                 </a:gridCol>
-                <a:gridCol w="1435447">
+                <a:gridCol w="1733785">
                   <a:extLst>
                     <a:ext uri="{9D8B030D-6E8A-4147-A177-3AD203B41FA5}">
                       <a16:colId xmlns:a16="http://schemas.microsoft.com/office/drawing/2014/main" val="20001"/>
                     </a:ext>
                   </a:extLst>
                 </a:gridCol>
-                <a:gridCol w="2447440">
+                <a:gridCol w="1868158">
                   <a:extLst>
                     <a:ext uri="{9D8B030D-6E8A-4147-A177-3AD203B41FA5}">
                       <a16:colId xmlns:a16="http://schemas.microsoft.com/office/drawing/2014/main" val="20002"/>
                     </a:ext>
                   </a:extLst>
                 </a:gridCol>
-                <a:gridCol w="4306956">
+                <a:gridCol w="3995329">
                   <a:extLst>
                     <a:ext uri="{9D8B030D-6E8A-4147-A177-3AD203B41FA5}">
                       <a16:colId xmlns:a16="http://schemas.microsoft.com/office/drawing/2014/main" val="20003"/>
@@ -7620,7 +7695,7 @@
                   </a:extLst>
                 </a:gridCol>
               </a:tblGrid>
-              <a:tr h="988072">
+              <a:tr h="950276">
                 <a:tc>
                   <a:txBody>
                     <a:bodyPr/>
@@ -7684,7 +7759,7 @@
                   </a:ext>
                 </a:extLst>
               </a:tr>
-              <a:tr h="601815">
+              <a:tr h="615595">
                 <a:tc>
                   <a:txBody>
                     <a:bodyPr/>
@@ -7774,7 +7849,7 @@
                   </a:ext>
                 </a:extLst>
               </a:tr>
-              <a:tr h="601815">
+              <a:tr h="615595">
                 <a:tc>
                   <a:txBody>
                     <a:bodyPr/>
@@ -7904,7 +7979,7 @@
                   </a:ext>
                 </a:extLst>
               </a:tr>
-              <a:tr h="601815">
+              <a:tr h="615595">
                 <a:tc>
                   <a:txBody>
                     <a:bodyPr/>
@@ -7987,7 +8062,7 @@
                   </a:ext>
                 </a:extLst>
               </a:tr>
-              <a:tr h="601815">
+              <a:tr h="615595">
                 <a:tc>
                   <a:txBody>
                     <a:bodyPr/>
@@ -8100,7 +8175,7 @@
                   </a:ext>
                 </a:extLst>
               </a:tr>
-              <a:tr h="601815">
+              <a:tr h="578794">
                 <a:tc>
                   <a:txBody>
                     <a:bodyPr/>

--- a/Presentation-Template.pptx
+++ b/Presentation-Template.pptx
@@ -4037,7 +4037,12 @@
             <p:ph idx="1"/>
           </p:nvPr>
         </p:nvSpPr>
-        <p:spPr/>
+        <p:spPr>
+          <a:xfrm>
+            <a:off x="1451579" y="2015732"/>
+            <a:ext cx="9603275" cy="3450613"/>
+          </a:xfrm>
+        </p:spPr>
         <p:txBody>
           <a:bodyPr>
             <a:normAutofit fontScale="92500" lnSpcReduction="20000"/>
@@ -4072,7 +4077,7 @@
             <a:pPr lvl="1"/>
             <a:r>
               <a:rPr lang="en-GB" dirty="0"/>
-              <a:t>Filtering : </a:t>
+              <a:t>Filtering :  </a:t>
             </a:r>
             <a:r>
               <a:rPr lang="en-GB" dirty="0" err="1"/>
@@ -4244,7 +4249,7 @@
             <a:pPr lvl="1"/>
             <a:r>
               <a:rPr lang="en-GB" dirty="0"/>
-              <a:t>Filtering : </a:t>
+              <a:t>Filtering :  </a:t>
             </a:r>
             <a:r>
               <a:rPr lang="en-GB" dirty="0" err="1"/>
@@ -6745,7 +6750,7 @@
           <a:p>
             <a:r>
               <a:rPr lang="en-US" dirty="0"/>
-              <a:t>Sprint 1I: Details</a:t>
+              <a:t>Sprint 1I : Details</a:t>
             </a:r>
           </a:p>
         </p:txBody>
